--- a/Презентация1.pptx
+++ b/Презентация1.pptx
@@ -5,11 +5,14 @@
     <p:sldMasterId id="2147483648" r:id="rId1"/>
   </p:sldMasterIdLst>
   <p:notesMasterIdLst>
-    <p:notesMasterId r:id="rId4"/>
+    <p:notesMasterId r:id="rId7"/>
   </p:notesMasterIdLst>
   <p:sldIdLst>
     <p:sldId id="256" r:id="rId2"/>
     <p:sldId id="257" r:id="rId3"/>
+    <p:sldId id="258" r:id="rId4"/>
+    <p:sldId id="259" r:id="rId5"/>
+    <p:sldId id="260" r:id="rId6"/>
   </p:sldIdLst>
   <p:sldSz cx="12192000" cy="6858000"/>
   <p:notesSz cx="6858000" cy="9144000"/>
@@ -108,6 +111,14 @@
       </a:defRPr>
     </a:lvl9pPr>
   </p:defaultTextStyle>
+  <p:extLst>
+    <p:ext uri="{EFAFB233-063F-42B5-8137-9DF3F51BA10A}">
+      <p15:sldGuideLst xmlns:p15="http://schemas.microsoft.com/office/powerpoint/2012/main"/>
+    </p:ext>
+    <p:ext uri="{2D200454-40CA-4A62-9FC3-DE9A4176ACB9}">
+      <p15:notesGuideLst xmlns:p15="http://schemas.microsoft.com/office/powerpoint/2012/main"/>
+    </p:ext>
+  </p:extLst>
 </p:presentation>
 </file>
 
@@ -193,7 +204,7 @@
           <a:p>
             <a:fld id="{C4B57257-9715-451B-9E05-A496920C8EF9}" type="datetimeFigureOut">
               <a:rPr lang="ru-RU" smtClean="0"/>
-              <a:t>16.09.2021</a:t>
+              <a:t>17.09.2021</a:t>
             </a:fld>
             <a:endParaRPr lang="ru-RU"/>
           </a:p>
@@ -691,7 +702,7 @@
           <a:p>
             <a:fld id="{B84803B2-5843-4442-8A1A-F095A4A60F6E}" type="datetimeFigureOut">
               <a:rPr lang="ru-RU" smtClean="0"/>
-              <a:t>16.09.2021</a:t>
+              <a:t>17.09.2021</a:t>
             </a:fld>
             <a:endParaRPr lang="ru-RU"/>
           </a:p>
@@ -889,7 +900,7 @@
           <a:p>
             <a:fld id="{B84803B2-5843-4442-8A1A-F095A4A60F6E}" type="datetimeFigureOut">
               <a:rPr lang="ru-RU" smtClean="0"/>
-              <a:t>16.09.2021</a:t>
+              <a:t>17.09.2021</a:t>
             </a:fld>
             <a:endParaRPr lang="ru-RU"/>
           </a:p>
@@ -1097,7 +1108,7 @@
           <a:p>
             <a:fld id="{B84803B2-5843-4442-8A1A-F095A4A60F6E}" type="datetimeFigureOut">
               <a:rPr lang="ru-RU" smtClean="0"/>
-              <a:t>16.09.2021</a:t>
+              <a:t>17.09.2021</a:t>
             </a:fld>
             <a:endParaRPr lang="ru-RU"/>
           </a:p>
@@ -1295,7 +1306,7 @@
           <a:p>
             <a:fld id="{B84803B2-5843-4442-8A1A-F095A4A60F6E}" type="datetimeFigureOut">
               <a:rPr lang="ru-RU" smtClean="0"/>
-              <a:t>16.09.2021</a:t>
+              <a:t>17.09.2021</a:t>
             </a:fld>
             <a:endParaRPr lang="ru-RU"/>
           </a:p>
@@ -1570,7 +1581,7 @@
           <a:p>
             <a:fld id="{B84803B2-5843-4442-8A1A-F095A4A60F6E}" type="datetimeFigureOut">
               <a:rPr lang="ru-RU" smtClean="0"/>
-              <a:t>16.09.2021</a:t>
+              <a:t>17.09.2021</a:t>
             </a:fld>
             <a:endParaRPr lang="ru-RU"/>
           </a:p>
@@ -1835,7 +1846,7 @@
           <a:p>
             <a:fld id="{B84803B2-5843-4442-8A1A-F095A4A60F6E}" type="datetimeFigureOut">
               <a:rPr lang="ru-RU" smtClean="0"/>
-              <a:t>16.09.2021</a:t>
+              <a:t>17.09.2021</a:t>
             </a:fld>
             <a:endParaRPr lang="ru-RU"/>
           </a:p>
@@ -2247,7 +2258,7 @@
           <a:p>
             <a:fld id="{B84803B2-5843-4442-8A1A-F095A4A60F6E}" type="datetimeFigureOut">
               <a:rPr lang="ru-RU" smtClean="0"/>
-              <a:t>16.09.2021</a:t>
+              <a:t>17.09.2021</a:t>
             </a:fld>
             <a:endParaRPr lang="ru-RU"/>
           </a:p>
@@ -2388,7 +2399,7 @@
           <a:p>
             <a:fld id="{B84803B2-5843-4442-8A1A-F095A4A60F6E}" type="datetimeFigureOut">
               <a:rPr lang="ru-RU" smtClean="0"/>
-              <a:t>16.09.2021</a:t>
+              <a:t>17.09.2021</a:t>
             </a:fld>
             <a:endParaRPr lang="ru-RU"/>
           </a:p>
@@ -2501,7 +2512,7 @@
           <a:p>
             <a:fld id="{B84803B2-5843-4442-8A1A-F095A4A60F6E}" type="datetimeFigureOut">
               <a:rPr lang="ru-RU" smtClean="0"/>
-              <a:t>16.09.2021</a:t>
+              <a:t>17.09.2021</a:t>
             </a:fld>
             <a:endParaRPr lang="ru-RU"/>
           </a:p>
@@ -2812,7 +2823,7 @@
           <a:p>
             <a:fld id="{B84803B2-5843-4442-8A1A-F095A4A60F6E}" type="datetimeFigureOut">
               <a:rPr lang="ru-RU" smtClean="0"/>
-              <a:t>16.09.2021</a:t>
+              <a:t>17.09.2021</a:t>
             </a:fld>
             <a:endParaRPr lang="ru-RU"/>
           </a:p>
@@ -3100,7 +3111,7 @@
           <a:p>
             <a:fld id="{B84803B2-5843-4442-8A1A-F095A4A60F6E}" type="datetimeFigureOut">
               <a:rPr lang="ru-RU" smtClean="0"/>
-              <a:t>16.09.2021</a:t>
+              <a:t>17.09.2021</a:t>
             </a:fld>
             <a:endParaRPr lang="ru-RU"/>
           </a:p>
@@ -3341,7 +3352,7 @@
           <a:p>
             <a:fld id="{B84803B2-5843-4442-8A1A-F095A4A60F6E}" type="datetimeFigureOut">
               <a:rPr lang="ru-RU" smtClean="0"/>
-              <a:t>16.09.2021</a:t>
+              <a:t>17.09.2021</a:t>
             </a:fld>
             <a:endParaRPr lang="ru-RU"/>
           </a:p>
@@ -3776,17 +3787,17 @@
         </p:nvSpPr>
         <p:spPr>
           <a:xfrm>
-            <a:off x="12445042" y="1214438"/>
-            <a:ext cx="9144000" cy="2387600"/>
+            <a:off x="12445042" y="3429000"/>
+            <a:ext cx="145543" cy="173038"/>
           </a:xfrm>
         </p:spPr>
         <p:txBody>
           <a:bodyPr>
-            <a:normAutofit/>
+            <a:noAutofit/>
           </a:bodyPr>
           <a:lstStyle/>
           <a:p>
-            <a:endParaRPr lang="ru-RU" sz="9600" dirty="0"/>
+            <a:endParaRPr lang="ru-RU" sz="800" dirty="0"/>
           </a:p>
         </p:txBody>
       </p:sp>
@@ -3806,7 +3817,12 @@
             <p:ph type="subTitle" idx="1"/>
           </p:nvPr>
         </p:nvSpPr>
-        <p:spPr/>
+        <p:spPr>
+          <a:xfrm>
+            <a:off x="1524000" y="4110994"/>
+            <a:ext cx="9144000" cy="1655762"/>
+          </a:xfrm>
+        </p:spPr>
         <p:txBody>
           <a:bodyPr>
             <a:normAutofit/>
@@ -3910,35 +3926,525 @@
         </p:nvSpPr>
         <p:spPr/>
         <p:txBody>
-          <a:bodyPr/>
+          <a:bodyPr>
+            <a:normAutofit/>
+          </a:bodyPr>
           <a:lstStyle/>
           <a:p>
-            <a:endParaRPr lang="ru-RU" dirty="0"/>
-          </a:p>
-        </p:txBody>
-      </p:sp>
-      <p:sp>
-        <p:nvSpPr>
-          <p:cNvPr id="3" name="Объект 2">
-            <a:extLst>
-              <a:ext uri="{FF2B5EF4-FFF2-40B4-BE49-F238E27FC236}">
-                <a16:creationId xmlns:a16="http://schemas.microsoft.com/office/drawing/2014/main" id="{14462FCB-E0F3-4FDD-82F2-7414BAEF7CE8}"/>
-              </a:ext>
-            </a:extLst>
-          </p:cNvPr>
-          <p:cNvSpPr>
-            <a:spLocks noGrp="1"/>
-          </p:cNvSpPr>
+            <a:pPr algn="ctr" rtl="0">
+              <a:spcBef>
+                <a:spcPts val="0"/>
+              </a:spcBef>
+              <a:spcAft>
+                <a:spcPts val="0"/>
+              </a:spcAft>
+            </a:pPr>
+            <a:r>
+              <a:rPr lang="ru-RU" sz="3600" b="0" i="0" u="none" strike="noStrike" dirty="0">
+                <a:solidFill>
+                  <a:srgbClr val="727271"/>
+                </a:solidFill>
+                <a:effectLst/>
+                <a:latin typeface="NTR"/>
+              </a:rPr>
+              <a:t>НАША КРЕАТИВНАЯ К</a:t>
+            </a:r>
+            <a:r>
+              <a:rPr lang="ru-RU" sz="3600" b="0" i="0" u="none" strike="noStrike" dirty="0">
+                <a:solidFill>
+                  <a:srgbClr val="FF0000"/>
+                </a:solidFill>
+                <a:effectLst/>
+                <a:latin typeface="NTR"/>
+              </a:rPr>
+              <a:t>☺</a:t>
+            </a:r>
+            <a:r>
+              <a:rPr lang="ru-RU" sz="3600" b="0" i="0" u="none" strike="noStrike" dirty="0">
+                <a:solidFill>
+                  <a:srgbClr val="727271"/>
+                </a:solidFill>
+                <a:effectLst/>
+                <a:latin typeface="NTR"/>
+              </a:rPr>
+              <a:t>МАНДА</a:t>
+            </a:r>
+            <a:endParaRPr lang="ru-RU" sz="8000" dirty="0"/>
+          </a:p>
+        </p:txBody>
+      </p:sp>
+      <p:pic>
+        <p:nvPicPr>
+          <p:cNvPr id="11" name="Объект 10">
+            <a:extLst>
+              <a:ext uri="{FF2B5EF4-FFF2-40B4-BE49-F238E27FC236}">
+                <a16:creationId xmlns:a16="http://schemas.microsoft.com/office/drawing/2014/main" id="{9AD98B69-9A31-4334-AC9F-CD8745D24E33}"/>
+              </a:ext>
+            </a:extLst>
+          </p:cNvPr>
+          <p:cNvPicPr>
+            <a:picLocks noGrp="1" noChangeAspect="1"/>
+          </p:cNvPicPr>
           <p:nvPr>
             <p:ph idx="1"/>
           </p:nvPr>
-        </p:nvSpPr>
-        <p:spPr/>
-        <p:txBody>
-          <a:bodyPr/>
+        </p:nvPicPr>
+        <p:blipFill>
+          <a:blip r:embed="rId2">
+            <a:extLst>
+              <a:ext uri="{28A0092B-C50C-407E-A947-70E740481C1C}">
+                <a14:useLocalDpi xmlns:a14="http://schemas.microsoft.com/office/drawing/2010/main" val="0"/>
+              </a:ext>
+              <a:ext uri="{96DAC541-7B7A-43D3-8B79-37D633B846F1}">
+                <asvg:svgBlip xmlns:asvg="http://schemas.microsoft.com/office/drawing/2016/SVG/main" r:embed="rId3"/>
+              </a:ext>
+            </a:extLst>
+          </a:blip>
+          <a:stretch>
+            <a:fillRect/>
+          </a:stretch>
+        </p:blipFill>
+        <p:spPr>
+          <a:xfrm>
+            <a:off x="219039" y="4307894"/>
+            <a:ext cx="1959403" cy="1959403"/>
+          </a:xfrm>
+        </p:spPr>
+      </p:pic>
+      <p:pic>
+        <p:nvPicPr>
+          <p:cNvPr id="13" name="Рисунок 12">
+            <a:extLst>
+              <a:ext uri="{FF2B5EF4-FFF2-40B4-BE49-F238E27FC236}">
+                <a16:creationId xmlns:a16="http://schemas.microsoft.com/office/drawing/2014/main" id="{8A671D07-9903-4FC7-A2A5-2B972D31C8D4}"/>
+              </a:ext>
+            </a:extLst>
+          </p:cNvPr>
+          <p:cNvPicPr>
+            <a:picLocks noChangeAspect="1"/>
+          </p:cNvPicPr>
+          <p:nvPr/>
+        </p:nvPicPr>
+        <p:blipFill>
+          <a:blip r:embed="rId4">
+            <a:extLst>
+              <a:ext uri="{28A0092B-C50C-407E-A947-70E740481C1C}">
+                <a14:useLocalDpi xmlns:a14="http://schemas.microsoft.com/office/drawing/2010/main" val="0"/>
+              </a:ext>
+              <a:ext uri="{96DAC541-7B7A-43D3-8B79-37D633B846F1}">
+                <asvg:svgBlip xmlns:asvg="http://schemas.microsoft.com/office/drawing/2016/SVG/main" r:embed="rId5"/>
+              </a:ext>
+            </a:extLst>
+          </a:blip>
+          <a:stretch>
+            <a:fillRect/>
+          </a:stretch>
+        </p:blipFill>
+        <p:spPr>
+          <a:xfrm>
+            <a:off x="219039" y="1690688"/>
+            <a:ext cx="1958400" cy="1958400"/>
+          </a:xfrm>
+          <a:prstGeom prst="rect">
+            <a:avLst/>
+          </a:prstGeom>
+        </p:spPr>
+      </p:pic>
+      <p:pic>
+        <p:nvPicPr>
+          <p:cNvPr id="15" name="Рисунок 14">
+            <a:extLst>
+              <a:ext uri="{FF2B5EF4-FFF2-40B4-BE49-F238E27FC236}">
+                <a16:creationId xmlns:a16="http://schemas.microsoft.com/office/drawing/2014/main" id="{39BB90A6-7B2A-4D32-B54D-1FA91669E02A}"/>
+              </a:ext>
+            </a:extLst>
+          </p:cNvPr>
+          <p:cNvPicPr>
+            <a:picLocks noChangeAspect="1"/>
+          </p:cNvPicPr>
+          <p:nvPr/>
+        </p:nvPicPr>
+        <p:blipFill>
+          <a:blip r:embed="rId6">
+            <a:extLst>
+              <a:ext uri="{28A0092B-C50C-407E-A947-70E740481C1C}">
+                <a14:useLocalDpi xmlns:a14="http://schemas.microsoft.com/office/drawing/2010/main" val="0"/>
+              </a:ext>
+              <a:ext uri="{96DAC541-7B7A-43D3-8B79-37D633B846F1}">
+                <asvg:svgBlip xmlns:asvg="http://schemas.microsoft.com/office/drawing/2016/SVG/main" r:embed="rId7"/>
+              </a:ext>
+            </a:extLst>
+          </a:blip>
+          <a:stretch>
+            <a:fillRect/>
+          </a:stretch>
+        </p:blipFill>
+        <p:spPr>
+          <a:xfrm>
+            <a:off x="6096000" y="1690688"/>
+            <a:ext cx="1958400" cy="1958400"/>
+          </a:xfrm>
+          <a:prstGeom prst="rect">
+            <a:avLst/>
+          </a:prstGeom>
+        </p:spPr>
+      </p:pic>
+      <p:pic>
+        <p:nvPicPr>
+          <p:cNvPr id="17" name="Рисунок 16">
+            <a:extLst>
+              <a:ext uri="{FF2B5EF4-FFF2-40B4-BE49-F238E27FC236}">
+                <a16:creationId xmlns:a16="http://schemas.microsoft.com/office/drawing/2014/main" id="{C0B2D408-E4B4-46E7-BEEA-C2C936FB6854}"/>
+              </a:ext>
+            </a:extLst>
+          </p:cNvPr>
+          <p:cNvPicPr>
+            <a:picLocks noChangeAspect="1"/>
+          </p:cNvPicPr>
+          <p:nvPr/>
+        </p:nvPicPr>
+        <p:blipFill>
+          <a:blip r:embed="rId8">
+            <a:extLst>
+              <a:ext uri="{28A0092B-C50C-407E-A947-70E740481C1C}">
+                <a14:useLocalDpi xmlns:a14="http://schemas.microsoft.com/office/drawing/2010/main" val="0"/>
+              </a:ext>
+              <a:ext uri="{96DAC541-7B7A-43D3-8B79-37D633B846F1}">
+                <asvg:svgBlip xmlns:asvg="http://schemas.microsoft.com/office/drawing/2016/SVG/main" r:embed="rId9"/>
+              </a:ext>
+            </a:extLst>
+          </a:blip>
+          <a:stretch>
+            <a:fillRect/>
+          </a:stretch>
+        </p:blipFill>
+        <p:spPr>
+          <a:xfrm>
+            <a:off x="6096000" y="4307894"/>
+            <a:ext cx="1958400" cy="1958400"/>
+          </a:xfrm>
+          <a:prstGeom prst="rect">
+            <a:avLst/>
+          </a:prstGeom>
+        </p:spPr>
+      </p:pic>
+      <p:sp>
+        <p:nvSpPr>
+          <p:cNvPr id="20" name="TextBox 19">
+            <a:extLst>
+              <a:ext uri="{FF2B5EF4-FFF2-40B4-BE49-F238E27FC236}">
+                <a16:creationId xmlns:a16="http://schemas.microsoft.com/office/drawing/2014/main" id="{3F3E325B-19C8-45B0-9181-E59A2002FC5A}"/>
+              </a:ext>
+            </a:extLst>
+          </p:cNvPr>
+          <p:cNvSpPr txBox="1"/>
+          <p:nvPr/>
+        </p:nvSpPr>
+        <p:spPr>
+          <a:xfrm>
+            <a:off x="1943099" y="1784838"/>
+            <a:ext cx="4308231" cy="646331"/>
+          </a:xfrm>
+          <a:prstGeom prst="rect">
+            <a:avLst/>
+          </a:prstGeom>
+          <a:noFill/>
+        </p:spPr>
+        <p:txBody>
+          <a:bodyPr wrap="square" rtlCol="0">
+            <a:spAutoFit/>
+          </a:bodyPr>
           <a:lstStyle/>
           <a:p>
-            <a:endParaRPr lang="ru-RU"/>
+            <a:r>
+              <a:rPr lang="ru-RU" dirty="0" err="1">
+                <a:latin typeface="NTR"/>
+              </a:rPr>
+              <a:t>Малич</a:t>
+            </a:r>
+            <a:r>
+              <a:rPr lang="ru-RU" dirty="0">
+                <a:latin typeface="NTR"/>
+              </a:rPr>
+              <a:t> Алексей</a:t>
+            </a:r>
+            <a:r>
+              <a:rPr lang="en-US" dirty="0">
+                <a:latin typeface="NTR"/>
+              </a:rPr>
+              <a:t>(</a:t>
+            </a:r>
+            <a:r>
+              <a:rPr lang="en-US" dirty="0" err="1">
+                <a:solidFill>
+                  <a:srgbClr val="FF0000"/>
+                </a:solidFill>
+                <a:latin typeface="NTR"/>
+              </a:rPr>
+              <a:t>Bezlimix</a:t>
+            </a:r>
+            <a:r>
+              <a:rPr lang="en-US" dirty="0">
+                <a:latin typeface="NTR"/>
+              </a:rPr>
+              <a:t>)</a:t>
+            </a:r>
+            <a:br>
+              <a:rPr lang="en-US" dirty="0">
+                <a:latin typeface="NTR"/>
+              </a:rPr>
+            </a:br>
+            <a:r>
+              <a:rPr lang="ru-RU" dirty="0">
+                <a:latin typeface="NTR"/>
+              </a:rPr>
+              <a:t>Разработчик </a:t>
+            </a:r>
+            <a:r>
+              <a:rPr lang="ru-RU" dirty="0" err="1">
+                <a:latin typeface="NTR"/>
+              </a:rPr>
+              <a:t>бла-бла-бла</a:t>
+            </a:r>
+            <a:endParaRPr lang="ru-RU" dirty="0">
+              <a:latin typeface="NTR"/>
+            </a:endParaRPr>
+          </a:p>
+        </p:txBody>
+      </p:sp>
+      <p:sp>
+        <p:nvSpPr>
+          <p:cNvPr id="24" name="TextBox 23">
+            <a:extLst>
+              <a:ext uri="{FF2B5EF4-FFF2-40B4-BE49-F238E27FC236}">
+                <a16:creationId xmlns:a16="http://schemas.microsoft.com/office/drawing/2014/main" id="{94F1527C-9AE7-4EAF-AE83-C2B9369D80B1}"/>
+              </a:ext>
+            </a:extLst>
+          </p:cNvPr>
+          <p:cNvSpPr txBox="1"/>
+          <p:nvPr/>
+        </p:nvSpPr>
+        <p:spPr>
+          <a:xfrm>
+            <a:off x="1943098" y="4307894"/>
+            <a:ext cx="4308231" cy="1477328"/>
+          </a:xfrm>
+          <a:prstGeom prst="rect">
+            <a:avLst/>
+          </a:prstGeom>
+          <a:noFill/>
+        </p:spPr>
+        <p:txBody>
+          <a:bodyPr wrap="square" rtlCol="0">
+            <a:spAutoFit/>
+          </a:bodyPr>
+          <a:lstStyle/>
+          <a:p>
+            <a:pPr rtl="0">
+              <a:spcBef>
+                <a:spcPts val="0"/>
+              </a:spcBef>
+              <a:spcAft>
+                <a:spcPts val="0"/>
+              </a:spcAft>
+            </a:pPr>
+            <a:r>
+              <a:rPr lang="ru-RU" dirty="0">
+                <a:latin typeface="NTR"/>
+              </a:rPr>
+              <a:t>Ирина Юрьевна Горбацевич</a:t>
+            </a:r>
+            <a:br>
+              <a:rPr lang="ru-RU" dirty="0">
+                <a:latin typeface="NTR"/>
+              </a:rPr>
+            </a:br>
+            <a:r>
+              <a:rPr lang="ru-RU" sz="1800" b="0" i="0" u="none" strike="noStrike" dirty="0">
+                <a:solidFill>
+                  <a:srgbClr val="FF0000"/>
+                </a:solidFill>
+                <a:effectLst/>
+                <a:latin typeface="NTR"/>
+              </a:rPr>
+              <a:t>учитель информатики,</a:t>
+            </a:r>
+            <a:endParaRPr lang="ru-RU" b="0" dirty="0">
+              <a:effectLst/>
+              <a:latin typeface="NTR"/>
+            </a:endParaRPr>
+          </a:p>
+          <a:p>
+            <a:pPr rtl="0">
+              <a:spcBef>
+                <a:spcPts val="0"/>
+              </a:spcBef>
+              <a:spcAft>
+                <a:spcPts val="0"/>
+              </a:spcAft>
+            </a:pPr>
+            <a:r>
+              <a:rPr lang="ru-RU" sz="1800" b="0" i="0" u="none" strike="noStrike" dirty="0">
+                <a:solidFill>
+                  <a:srgbClr val="727271"/>
+                </a:solidFill>
+                <a:effectLst/>
+                <a:latin typeface="NTR"/>
+              </a:rPr>
+              <a:t>руководитель проекта.</a:t>
+            </a:r>
+            <a:endParaRPr lang="ru-RU" b="0" dirty="0">
+              <a:effectLst/>
+              <a:latin typeface="NTR"/>
+            </a:endParaRPr>
+          </a:p>
+          <a:p>
+            <a:br>
+              <a:rPr lang="ru-RU" dirty="0">
+                <a:latin typeface="NTR"/>
+              </a:rPr>
+            </a:br>
+            <a:endParaRPr lang="ru-RU" dirty="0">
+              <a:latin typeface="NTR"/>
+            </a:endParaRPr>
+          </a:p>
+        </p:txBody>
+      </p:sp>
+      <p:sp>
+        <p:nvSpPr>
+          <p:cNvPr id="25" name="TextBox 24">
+            <a:extLst>
+              <a:ext uri="{FF2B5EF4-FFF2-40B4-BE49-F238E27FC236}">
+                <a16:creationId xmlns:a16="http://schemas.microsoft.com/office/drawing/2014/main" id="{D6782186-6227-462E-AE82-474CCE7C1BD3}"/>
+              </a:ext>
+            </a:extLst>
+          </p:cNvPr>
+          <p:cNvSpPr txBox="1"/>
+          <p:nvPr/>
+        </p:nvSpPr>
+        <p:spPr>
+          <a:xfrm>
+            <a:off x="7751183" y="4400227"/>
+            <a:ext cx="4308231" cy="646331"/>
+          </a:xfrm>
+          <a:prstGeom prst="rect">
+            <a:avLst/>
+          </a:prstGeom>
+          <a:noFill/>
+        </p:spPr>
+        <p:txBody>
+          <a:bodyPr wrap="square" rtlCol="0">
+            <a:spAutoFit/>
+          </a:bodyPr>
+          <a:lstStyle/>
+          <a:p>
+            <a:r>
+              <a:rPr lang="ru-RU" sz="1800" b="0" i="0" u="none" strike="noStrike" dirty="0">
+                <a:solidFill>
+                  <a:srgbClr val="727271"/>
+                </a:solidFill>
+                <a:effectLst/>
+                <a:latin typeface="NTR"/>
+              </a:rPr>
+              <a:t>Науменко Александр(</a:t>
+            </a:r>
+            <a:r>
+              <a:rPr lang="en-US" sz="1800" b="0" i="0" u="none" strike="noStrike" dirty="0" err="1">
+                <a:solidFill>
+                  <a:srgbClr val="7030A0"/>
+                </a:solidFill>
+                <a:effectLst/>
+                <a:latin typeface="NTR"/>
+              </a:rPr>
+              <a:t>FaCSM</a:t>
+            </a:r>
+            <a:r>
+              <a:rPr lang="en-US" sz="1800" b="0" i="0" u="none" strike="noStrike" dirty="0">
+                <a:solidFill>
+                  <a:srgbClr val="727271"/>
+                </a:solidFill>
+                <a:effectLst/>
+                <a:latin typeface="NTR"/>
+              </a:rPr>
+              <a:t>)</a:t>
+            </a:r>
+            <a:br>
+              <a:rPr lang="en-US" dirty="0">
+                <a:latin typeface="NTR"/>
+              </a:rPr>
+            </a:br>
+            <a:r>
+              <a:rPr lang="ru-RU" dirty="0">
+                <a:latin typeface="NTR"/>
+              </a:rPr>
+              <a:t>Разработчик </a:t>
+            </a:r>
+            <a:r>
+              <a:rPr lang="ru-RU" dirty="0" err="1">
+                <a:latin typeface="NTR"/>
+              </a:rPr>
+              <a:t>бла-бла-бла</a:t>
+            </a:r>
+            <a:endParaRPr lang="ru-RU" dirty="0">
+              <a:latin typeface="NTR"/>
+            </a:endParaRPr>
+          </a:p>
+        </p:txBody>
+      </p:sp>
+      <p:sp>
+        <p:nvSpPr>
+          <p:cNvPr id="26" name="TextBox 25">
+            <a:extLst>
+              <a:ext uri="{FF2B5EF4-FFF2-40B4-BE49-F238E27FC236}">
+                <a16:creationId xmlns:a16="http://schemas.microsoft.com/office/drawing/2014/main" id="{C39D5C72-BD2B-4420-9B48-99904FD46A73}"/>
+              </a:ext>
+            </a:extLst>
+          </p:cNvPr>
+          <p:cNvSpPr txBox="1"/>
+          <p:nvPr/>
+        </p:nvSpPr>
+        <p:spPr>
+          <a:xfrm>
+            <a:off x="7751183" y="1784837"/>
+            <a:ext cx="4308231" cy="646331"/>
+          </a:xfrm>
+          <a:prstGeom prst="rect">
+            <a:avLst/>
+          </a:prstGeom>
+          <a:noFill/>
+        </p:spPr>
+        <p:txBody>
+          <a:bodyPr wrap="square" rtlCol="0">
+            <a:spAutoFit/>
+          </a:bodyPr>
+          <a:lstStyle/>
+          <a:p>
+            <a:r>
+              <a:rPr lang="ru-RU" dirty="0">
+                <a:latin typeface="NTR"/>
+              </a:rPr>
+              <a:t>Илья</a:t>
+            </a:r>
+            <a:br>
+              <a:rPr lang="en-US" dirty="0">
+                <a:latin typeface="NTR"/>
+              </a:rPr>
+            </a:br>
+            <a:r>
+              <a:rPr lang="ru-RU" dirty="0">
+                <a:latin typeface="NTR"/>
+              </a:rPr>
+              <a:t>Разработчик </a:t>
+            </a:r>
+            <a:r>
+              <a:rPr lang="ru-RU" dirty="0" err="1">
+                <a:latin typeface="NTR"/>
+              </a:rPr>
+              <a:t>бла-бла-бла</a:t>
+            </a:r>
+            <a:endParaRPr lang="ru-RU" dirty="0">
+              <a:latin typeface="NTR"/>
+            </a:endParaRPr>
           </a:p>
         </p:txBody>
       </p:sp>
@@ -3946,6 +4452,1434 @@
     <p:extLst>
       <p:ext uri="{BB962C8B-B14F-4D97-AF65-F5344CB8AC3E}">
         <p14:creationId xmlns:p14="http://schemas.microsoft.com/office/powerpoint/2010/main" val="605865534"/>
+      </p:ext>
+    </p:extLst>
+  </p:cSld>
+  <p:clrMapOvr>
+    <a:masterClrMapping/>
+  </p:clrMapOvr>
+</p:sld>
+</file>
+
+<file path=ppt/slides/slide3.xml><?xml version="1.0" encoding="utf-8"?>
+<p:sld xmlns:a="http://schemas.openxmlformats.org/drawingml/2006/main" xmlns:r="http://schemas.openxmlformats.org/officeDocument/2006/relationships" xmlns:p="http://schemas.openxmlformats.org/presentationml/2006/main">
+  <p:cSld>
+    <p:spTree>
+      <p:nvGrpSpPr>
+        <p:cNvPr id="1" name=""/>
+        <p:cNvGrpSpPr/>
+        <p:nvPr/>
+      </p:nvGrpSpPr>
+      <p:grpSpPr>
+        <a:xfrm>
+          <a:off x="0" y="0"/>
+          <a:ext cx="0" cy="0"/>
+          <a:chOff x="0" y="0"/>
+          <a:chExt cx="0" cy="0"/>
+        </a:xfrm>
+      </p:grpSpPr>
+      <p:pic>
+        <p:nvPicPr>
+          <p:cNvPr id="2050" name="Picture 2">
+            <a:extLst>
+              <a:ext uri="{FF2B5EF4-FFF2-40B4-BE49-F238E27FC236}">
+                <a16:creationId xmlns:a16="http://schemas.microsoft.com/office/drawing/2014/main" id="{DF5B5318-DCCA-4768-B260-4002DE01A2C1}"/>
+              </a:ext>
+            </a:extLst>
+          </p:cNvPr>
+          <p:cNvPicPr>
+            <a:picLocks noChangeAspect="1" noChangeArrowheads="1"/>
+          </p:cNvPicPr>
+          <p:nvPr/>
+        </p:nvPicPr>
+        <p:blipFill>
+          <a:blip r:embed="rId2">
+            <a:extLst>
+              <a:ext uri="{28A0092B-C50C-407E-A947-70E740481C1C}">
+                <a14:useLocalDpi xmlns:a14="http://schemas.microsoft.com/office/drawing/2010/main" val="0"/>
+              </a:ext>
+            </a:extLst>
+          </a:blip>
+          <a:srcRect/>
+          <a:stretch>
+            <a:fillRect/>
+          </a:stretch>
+        </p:blipFill>
+        <p:spPr bwMode="auto">
+          <a:xfrm>
+            <a:off x="1308223" y="1928012"/>
+            <a:ext cx="3105516" cy="3001975"/>
+          </a:xfrm>
+          <a:prstGeom prst="rect">
+            <a:avLst/>
+          </a:prstGeom>
+          <a:noFill/>
+          <a:extLst>
+            <a:ext uri="{909E8E84-426E-40DD-AFC4-6F175D3DCCD1}">
+              <a14:hiddenFill xmlns:a14="http://schemas.microsoft.com/office/drawing/2010/main">
+                <a:solidFill>
+                  <a:srgbClr val="FFFFFF"/>
+                </a:solidFill>
+              </a14:hiddenFill>
+            </a:ext>
+          </a:extLst>
+        </p:spPr>
+      </p:pic>
+      <p:sp>
+        <p:nvSpPr>
+          <p:cNvPr id="4" name="TextBox 3">
+            <a:extLst>
+              <a:ext uri="{FF2B5EF4-FFF2-40B4-BE49-F238E27FC236}">
+                <a16:creationId xmlns:a16="http://schemas.microsoft.com/office/drawing/2014/main" id="{F3264923-6EC1-4750-A6BF-8F82005605D3}"/>
+              </a:ext>
+            </a:extLst>
+          </p:cNvPr>
+          <p:cNvSpPr txBox="1"/>
+          <p:nvPr/>
+        </p:nvSpPr>
+        <p:spPr>
+          <a:xfrm>
+            <a:off x="4786313" y="3015705"/>
+            <a:ext cx="6097464" cy="646331"/>
+          </a:xfrm>
+          <a:prstGeom prst="rect">
+            <a:avLst/>
+          </a:prstGeom>
+          <a:noFill/>
+        </p:spPr>
+        <p:txBody>
+          <a:bodyPr wrap="square">
+            <a:spAutoFit/>
+          </a:bodyPr>
+          <a:lstStyle/>
+          <a:p>
+            <a:r>
+              <a:rPr lang="ru-RU" sz="3600" b="0" i="0" u="none" strike="noStrike" dirty="0">
+                <a:solidFill>
+                  <a:srgbClr val="727271"/>
+                </a:solidFill>
+                <a:effectLst/>
+                <a:latin typeface="NTR"/>
+              </a:rPr>
+              <a:t>Как возникла идея?</a:t>
+            </a:r>
+            <a:endParaRPr lang="ru-RU" sz="3600" dirty="0"/>
+          </a:p>
+        </p:txBody>
+      </p:sp>
+    </p:spTree>
+    <p:extLst>
+      <p:ext uri="{BB962C8B-B14F-4D97-AF65-F5344CB8AC3E}">
+        <p14:creationId xmlns:p14="http://schemas.microsoft.com/office/powerpoint/2010/main" val="1859337124"/>
+      </p:ext>
+    </p:extLst>
+  </p:cSld>
+  <p:clrMapOvr>
+    <a:masterClrMapping/>
+  </p:clrMapOvr>
+</p:sld>
+</file>
+
+<file path=ppt/slides/slide4.xml><?xml version="1.0" encoding="utf-8"?>
+<p:sld xmlns:a="http://schemas.openxmlformats.org/drawingml/2006/main" xmlns:r="http://schemas.openxmlformats.org/officeDocument/2006/relationships" xmlns:p="http://schemas.openxmlformats.org/presentationml/2006/main">
+  <p:cSld>
+    <p:spTree>
+      <p:nvGrpSpPr>
+        <p:cNvPr id="1" name=""/>
+        <p:cNvGrpSpPr/>
+        <p:nvPr/>
+      </p:nvGrpSpPr>
+      <p:grpSpPr>
+        <a:xfrm>
+          <a:off x="0" y="0"/>
+          <a:ext cx="0" cy="0"/>
+          <a:chOff x="0" y="0"/>
+          <a:chExt cx="0" cy="0"/>
+        </a:xfrm>
+      </p:grpSpPr>
+      <p:pic>
+        <p:nvPicPr>
+          <p:cNvPr id="14" name="Google Shape;113;p16">
+            <a:extLst>
+              <a:ext uri="{FF2B5EF4-FFF2-40B4-BE49-F238E27FC236}">
+                <a16:creationId xmlns:a16="http://schemas.microsoft.com/office/drawing/2014/main" id="{D4DC1EFC-5443-4EC4-80BE-CB828A764187}"/>
+              </a:ext>
+            </a:extLst>
+          </p:cNvPr>
+          <p:cNvPicPr preferRelativeResize="0"/>
+          <p:nvPr/>
+        </p:nvPicPr>
+        <p:blipFill rotWithShape="1">
+          <a:blip r:embed="rId2">
+            <a:alphaModFix/>
+          </a:blip>
+          <a:srcRect/>
+          <a:stretch/>
+        </p:blipFill>
+        <p:spPr>
+          <a:xfrm>
+            <a:off x="5472474" y="2055907"/>
+            <a:ext cx="1624199" cy="1624199"/>
+          </a:xfrm>
+          <a:prstGeom prst="rect">
+            <a:avLst/>
+          </a:prstGeom>
+          <a:noFill/>
+          <a:ln>
+            <a:noFill/>
+          </a:ln>
+        </p:spPr>
+      </p:pic>
+      <p:pic>
+        <p:nvPicPr>
+          <p:cNvPr id="15" name="Google Shape;114;p16">
+            <a:extLst>
+              <a:ext uri="{FF2B5EF4-FFF2-40B4-BE49-F238E27FC236}">
+                <a16:creationId xmlns:a16="http://schemas.microsoft.com/office/drawing/2014/main" id="{A5316146-7ADF-4C70-A557-713C1DC0049D}"/>
+              </a:ext>
+            </a:extLst>
+          </p:cNvPr>
+          <p:cNvPicPr preferRelativeResize="0"/>
+          <p:nvPr/>
+        </p:nvPicPr>
+        <p:blipFill rotWithShape="1">
+          <a:blip r:embed="rId3">
+            <a:alphaModFix/>
+          </a:blip>
+          <a:srcRect/>
+          <a:stretch/>
+        </p:blipFill>
+        <p:spPr>
+          <a:xfrm>
+            <a:off x="6662505" y="214499"/>
+            <a:ext cx="1862127" cy="1862127"/>
+          </a:xfrm>
+          <a:prstGeom prst="rect">
+            <a:avLst/>
+          </a:prstGeom>
+          <a:noFill/>
+          <a:ln>
+            <a:noFill/>
+          </a:ln>
+        </p:spPr>
+      </p:pic>
+      <p:sp>
+        <p:nvSpPr>
+          <p:cNvPr id="16" name="Google Shape;115;p16">
+            <a:extLst>
+              <a:ext uri="{FF2B5EF4-FFF2-40B4-BE49-F238E27FC236}">
+                <a16:creationId xmlns:a16="http://schemas.microsoft.com/office/drawing/2014/main" id="{25A9C3D4-1A41-43B3-93D0-98618285ED9E}"/>
+              </a:ext>
+            </a:extLst>
+          </p:cNvPr>
+          <p:cNvSpPr txBox="1"/>
+          <p:nvPr/>
+        </p:nvSpPr>
+        <p:spPr>
+          <a:xfrm>
+            <a:off x="7822888" y="367767"/>
+            <a:ext cx="366537" cy="646290"/>
+          </a:xfrm>
+          <a:prstGeom prst="rect">
+            <a:avLst/>
+          </a:prstGeom>
+          <a:noFill/>
+          <a:ln>
+            <a:noFill/>
+          </a:ln>
+        </p:spPr>
+        <p:txBody>
+          <a:bodyPr spcFirstLastPara="1" wrap="square" lIns="91425" tIns="45700" rIns="91425" bIns="45700" anchor="t" anchorCtr="0">
+            <a:spAutoFit/>
+          </a:bodyPr>
+          <a:lstStyle>
+            <a:defPPr marR="0" lvl="0" algn="l" rtl="0">
+              <a:lnSpc>
+                <a:spcPct val="100000"/>
+              </a:lnSpc>
+              <a:spcBef>
+                <a:spcPts val="0"/>
+              </a:spcBef>
+              <a:spcAft>
+                <a:spcPts val="0"/>
+              </a:spcAft>
+            </a:defPPr>
+            <a:lvl1pPr marR="0" lvl="0" algn="l" rtl="0">
+              <a:lnSpc>
+                <a:spcPct val="100000"/>
+              </a:lnSpc>
+              <a:spcBef>
+                <a:spcPts val="0"/>
+              </a:spcBef>
+              <a:spcAft>
+                <a:spcPts val="0"/>
+              </a:spcAft>
+              <a:buClr>
+                <a:srgbClr val="000000"/>
+              </a:buClr>
+              <a:buFont typeface="Arial"/>
+              <a:defRPr sz="1400" b="0" i="0" u="none" strike="noStrike" cap="none">
+                <a:solidFill>
+                  <a:srgbClr val="000000"/>
+                </a:solidFill>
+                <a:latin typeface="Arial"/>
+                <a:ea typeface="Arial"/>
+                <a:cs typeface="Arial"/>
+                <a:sym typeface="Arial"/>
+              </a:defRPr>
+            </a:lvl1pPr>
+            <a:lvl2pPr marR="0" lvl="1" algn="l" rtl="0">
+              <a:lnSpc>
+                <a:spcPct val="100000"/>
+              </a:lnSpc>
+              <a:spcBef>
+                <a:spcPts val="0"/>
+              </a:spcBef>
+              <a:spcAft>
+                <a:spcPts val="0"/>
+              </a:spcAft>
+              <a:buClr>
+                <a:srgbClr val="000000"/>
+              </a:buClr>
+              <a:buFont typeface="Arial"/>
+              <a:defRPr sz="1400" b="0" i="0" u="none" strike="noStrike" cap="none">
+                <a:solidFill>
+                  <a:srgbClr val="000000"/>
+                </a:solidFill>
+                <a:latin typeface="Arial"/>
+                <a:ea typeface="Arial"/>
+                <a:cs typeface="Arial"/>
+                <a:sym typeface="Arial"/>
+              </a:defRPr>
+            </a:lvl2pPr>
+            <a:lvl3pPr marR="0" lvl="2" algn="l" rtl="0">
+              <a:lnSpc>
+                <a:spcPct val="100000"/>
+              </a:lnSpc>
+              <a:spcBef>
+                <a:spcPts val="0"/>
+              </a:spcBef>
+              <a:spcAft>
+                <a:spcPts val="0"/>
+              </a:spcAft>
+              <a:buClr>
+                <a:srgbClr val="000000"/>
+              </a:buClr>
+              <a:buFont typeface="Arial"/>
+              <a:defRPr sz="1400" b="0" i="0" u="none" strike="noStrike" cap="none">
+                <a:solidFill>
+                  <a:srgbClr val="000000"/>
+                </a:solidFill>
+                <a:latin typeface="Arial"/>
+                <a:ea typeface="Arial"/>
+                <a:cs typeface="Arial"/>
+                <a:sym typeface="Arial"/>
+              </a:defRPr>
+            </a:lvl3pPr>
+            <a:lvl4pPr marR="0" lvl="3" algn="l" rtl="0">
+              <a:lnSpc>
+                <a:spcPct val="100000"/>
+              </a:lnSpc>
+              <a:spcBef>
+                <a:spcPts val="0"/>
+              </a:spcBef>
+              <a:spcAft>
+                <a:spcPts val="0"/>
+              </a:spcAft>
+              <a:buClr>
+                <a:srgbClr val="000000"/>
+              </a:buClr>
+              <a:buFont typeface="Arial"/>
+              <a:defRPr sz="1400" b="0" i="0" u="none" strike="noStrike" cap="none">
+                <a:solidFill>
+                  <a:srgbClr val="000000"/>
+                </a:solidFill>
+                <a:latin typeface="Arial"/>
+                <a:ea typeface="Arial"/>
+                <a:cs typeface="Arial"/>
+                <a:sym typeface="Arial"/>
+              </a:defRPr>
+            </a:lvl4pPr>
+            <a:lvl5pPr marR="0" lvl="4" algn="l" rtl="0">
+              <a:lnSpc>
+                <a:spcPct val="100000"/>
+              </a:lnSpc>
+              <a:spcBef>
+                <a:spcPts val="0"/>
+              </a:spcBef>
+              <a:spcAft>
+                <a:spcPts val="0"/>
+              </a:spcAft>
+              <a:buClr>
+                <a:srgbClr val="000000"/>
+              </a:buClr>
+              <a:buFont typeface="Arial"/>
+              <a:defRPr sz="1400" b="0" i="0" u="none" strike="noStrike" cap="none">
+                <a:solidFill>
+                  <a:srgbClr val="000000"/>
+                </a:solidFill>
+                <a:latin typeface="Arial"/>
+                <a:ea typeface="Arial"/>
+                <a:cs typeface="Arial"/>
+                <a:sym typeface="Arial"/>
+              </a:defRPr>
+            </a:lvl5pPr>
+            <a:lvl6pPr marR="0" lvl="5" algn="l" rtl="0">
+              <a:lnSpc>
+                <a:spcPct val="100000"/>
+              </a:lnSpc>
+              <a:spcBef>
+                <a:spcPts val="0"/>
+              </a:spcBef>
+              <a:spcAft>
+                <a:spcPts val="0"/>
+              </a:spcAft>
+              <a:buClr>
+                <a:srgbClr val="000000"/>
+              </a:buClr>
+              <a:buFont typeface="Arial"/>
+              <a:defRPr sz="1400" b="0" i="0" u="none" strike="noStrike" cap="none">
+                <a:solidFill>
+                  <a:srgbClr val="000000"/>
+                </a:solidFill>
+                <a:latin typeface="Arial"/>
+                <a:ea typeface="Arial"/>
+                <a:cs typeface="Arial"/>
+                <a:sym typeface="Arial"/>
+              </a:defRPr>
+            </a:lvl6pPr>
+            <a:lvl7pPr marR="0" lvl="6" algn="l" rtl="0">
+              <a:lnSpc>
+                <a:spcPct val="100000"/>
+              </a:lnSpc>
+              <a:spcBef>
+                <a:spcPts val="0"/>
+              </a:spcBef>
+              <a:spcAft>
+                <a:spcPts val="0"/>
+              </a:spcAft>
+              <a:buClr>
+                <a:srgbClr val="000000"/>
+              </a:buClr>
+              <a:buFont typeface="Arial"/>
+              <a:defRPr sz="1400" b="0" i="0" u="none" strike="noStrike" cap="none">
+                <a:solidFill>
+                  <a:srgbClr val="000000"/>
+                </a:solidFill>
+                <a:latin typeface="Arial"/>
+                <a:ea typeface="Arial"/>
+                <a:cs typeface="Arial"/>
+                <a:sym typeface="Arial"/>
+              </a:defRPr>
+            </a:lvl7pPr>
+            <a:lvl8pPr marR="0" lvl="7" algn="l" rtl="0">
+              <a:lnSpc>
+                <a:spcPct val="100000"/>
+              </a:lnSpc>
+              <a:spcBef>
+                <a:spcPts val="0"/>
+              </a:spcBef>
+              <a:spcAft>
+                <a:spcPts val="0"/>
+              </a:spcAft>
+              <a:buClr>
+                <a:srgbClr val="000000"/>
+              </a:buClr>
+              <a:buFont typeface="Arial"/>
+              <a:defRPr sz="1400" b="0" i="0" u="none" strike="noStrike" cap="none">
+                <a:solidFill>
+                  <a:srgbClr val="000000"/>
+                </a:solidFill>
+                <a:latin typeface="Arial"/>
+                <a:ea typeface="Arial"/>
+                <a:cs typeface="Arial"/>
+                <a:sym typeface="Arial"/>
+              </a:defRPr>
+            </a:lvl8pPr>
+            <a:lvl9pPr marR="0" lvl="8" algn="l" rtl="0">
+              <a:lnSpc>
+                <a:spcPct val="100000"/>
+              </a:lnSpc>
+              <a:spcBef>
+                <a:spcPts val="0"/>
+              </a:spcBef>
+              <a:spcAft>
+                <a:spcPts val="0"/>
+              </a:spcAft>
+              <a:buClr>
+                <a:srgbClr val="000000"/>
+              </a:buClr>
+              <a:buFont typeface="Arial"/>
+              <a:defRPr sz="1400" b="0" i="0" u="none" strike="noStrike" cap="none">
+                <a:solidFill>
+                  <a:srgbClr val="000000"/>
+                </a:solidFill>
+                <a:latin typeface="Arial"/>
+                <a:ea typeface="Arial"/>
+                <a:cs typeface="Arial"/>
+                <a:sym typeface="Arial"/>
+              </a:defRPr>
+            </a:lvl9pPr>
+          </a:lstStyle>
+          <a:p>
+            <a:pPr marL="0" marR="0" lvl="0" indent="0" algn="l" rtl="0">
+              <a:spcBef>
+                <a:spcPts val="0"/>
+              </a:spcBef>
+              <a:spcAft>
+                <a:spcPts val="0"/>
+              </a:spcAft>
+              <a:buNone/>
+            </a:pPr>
+            <a:r>
+              <a:rPr lang="ru-RU" sz="3600" dirty="0">
+                <a:solidFill>
+                  <a:schemeClr val="dk1"/>
+                </a:solidFill>
+                <a:latin typeface="NTR"/>
+                <a:ea typeface="NTR"/>
+                <a:cs typeface="NTR"/>
+                <a:sym typeface="NTR"/>
+              </a:rPr>
+              <a:t>?</a:t>
+            </a:r>
+            <a:endParaRPr sz="1800" dirty="0">
+              <a:solidFill>
+                <a:schemeClr val="dk1"/>
+              </a:solidFill>
+              <a:latin typeface="NTR"/>
+              <a:ea typeface="NTR"/>
+              <a:cs typeface="NTR"/>
+              <a:sym typeface="NTR"/>
+            </a:endParaRPr>
+          </a:p>
+        </p:txBody>
+      </p:sp>
+      <p:sp>
+        <p:nvSpPr>
+          <p:cNvPr id="17" name="Google Shape;119;p16">
+            <a:extLst>
+              <a:ext uri="{FF2B5EF4-FFF2-40B4-BE49-F238E27FC236}">
+                <a16:creationId xmlns:a16="http://schemas.microsoft.com/office/drawing/2014/main" id="{67AA8578-C771-4D65-AF10-62490028C2A3}"/>
+              </a:ext>
+            </a:extLst>
+          </p:cNvPr>
+          <p:cNvSpPr txBox="1"/>
+          <p:nvPr/>
+        </p:nvSpPr>
+        <p:spPr>
+          <a:xfrm>
+            <a:off x="6929652" y="812058"/>
+            <a:ext cx="366537" cy="646290"/>
+          </a:xfrm>
+          <a:prstGeom prst="rect">
+            <a:avLst/>
+          </a:prstGeom>
+          <a:noFill/>
+          <a:ln>
+            <a:noFill/>
+          </a:ln>
+        </p:spPr>
+        <p:txBody>
+          <a:bodyPr spcFirstLastPara="1" wrap="square" lIns="91425" tIns="45700" rIns="91425" bIns="45700" anchor="t" anchorCtr="0">
+            <a:spAutoFit/>
+          </a:bodyPr>
+          <a:lstStyle>
+            <a:defPPr marR="0" lvl="0" algn="l" rtl="0">
+              <a:lnSpc>
+                <a:spcPct val="100000"/>
+              </a:lnSpc>
+              <a:spcBef>
+                <a:spcPts val="0"/>
+              </a:spcBef>
+              <a:spcAft>
+                <a:spcPts val="0"/>
+              </a:spcAft>
+            </a:defPPr>
+            <a:lvl1pPr marR="0" lvl="0" algn="l" rtl="0">
+              <a:lnSpc>
+                <a:spcPct val="100000"/>
+              </a:lnSpc>
+              <a:spcBef>
+                <a:spcPts val="0"/>
+              </a:spcBef>
+              <a:spcAft>
+                <a:spcPts val="0"/>
+              </a:spcAft>
+              <a:buClr>
+                <a:srgbClr val="000000"/>
+              </a:buClr>
+              <a:buFont typeface="Arial"/>
+              <a:defRPr sz="1400" b="0" i="0" u="none" strike="noStrike" cap="none">
+                <a:solidFill>
+                  <a:srgbClr val="000000"/>
+                </a:solidFill>
+                <a:latin typeface="Arial"/>
+                <a:ea typeface="Arial"/>
+                <a:cs typeface="Arial"/>
+                <a:sym typeface="Arial"/>
+              </a:defRPr>
+            </a:lvl1pPr>
+            <a:lvl2pPr marR="0" lvl="1" algn="l" rtl="0">
+              <a:lnSpc>
+                <a:spcPct val="100000"/>
+              </a:lnSpc>
+              <a:spcBef>
+                <a:spcPts val="0"/>
+              </a:spcBef>
+              <a:spcAft>
+                <a:spcPts val="0"/>
+              </a:spcAft>
+              <a:buClr>
+                <a:srgbClr val="000000"/>
+              </a:buClr>
+              <a:buFont typeface="Arial"/>
+              <a:defRPr sz="1400" b="0" i="0" u="none" strike="noStrike" cap="none">
+                <a:solidFill>
+                  <a:srgbClr val="000000"/>
+                </a:solidFill>
+                <a:latin typeface="Arial"/>
+                <a:ea typeface="Arial"/>
+                <a:cs typeface="Arial"/>
+                <a:sym typeface="Arial"/>
+              </a:defRPr>
+            </a:lvl2pPr>
+            <a:lvl3pPr marR="0" lvl="2" algn="l" rtl="0">
+              <a:lnSpc>
+                <a:spcPct val="100000"/>
+              </a:lnSpc>
+              <a:spcBef>
+                <a:spcPts val="0"/>
+              </a:spcBef>
+              <a:spcAft>
+                <a:spcPts val="0"/>
+              </a:spcAft>
+              <a:buClr>
+                <a:srgbClr val="000000"/>
+              </a:buClr>
+              <a:buFont typeface="Arial"/>
+              <a:defRPr sz="1400" b="0" i="0" u="none" strike="noStrike" cap="none">
+                <a:solidFill>
+                  <a:srgbClr val="000000"/>
+                </a:solidFill>
+                <a:latin typeface="Arial"/>
+                <a:ea typeface="Arial"/>
+                <a:cs typeface="Arial"/>
+                <a:sym typeface="Arial"/>
+              </a:defRPr>
+            </a:lvl3pPr>
+            <a:lvl4pPr marR="0" lvl="3" algn="l" rtl="0">
+              <a:lnSpc>
+                <a:spcPct val="100000"/>
+              </a:lnSpc>
+              <a:spcBef>
+                <a:spcPts val="0"/>
+              </a:spcBef>
+              <a:spcAft>
+                <a:spcPts val="0"/>
+              </a:spcAft>
+              <a:buClr>
+                <a:srgbClr val="000000"/>
+              </a:buClr>
+              <a:buFont typeface="Arial"/>
+              <a:defRPr sz="1400" b="0" i="0" u="none" strike="noStrike" cap="none">
+                <a:solidFill>
+                  <a:srgbClr val="000000"/>
+                </a:solidFill>
+                <a:latin typeface="Arial"/>
+                <a:ea typeface="Arial"/>
+                <a:cs typeface="Arial"/>
+                <a:sym typeface="Arial"/>
+              </a:defRPr>
+            </a:lvl4pPr>
+            <a:lvl5pPr marR="0" lvl="4" algn="l" rtl="0">
+              <a:lnSpc>
+                <a:spcPct val="100000"/>
+              </a:lnSpc>
+              <a:spcBef>
+                <a:spcPts val="0"/>
+              </a:spcBef>
+              <a:spcAft>
+                <a:spcPts val="0"/>
+              </a:spcAft>
+              <a:buClr>
+                <a:srgbClr val="000000"/>
+              </a:buClr>
+              <a:buFont typeface="Arial"/>
+              <a:defRPr sz="1400" b="0" i="0" u="none" strike="noStrike" cap="none">
+                <a:solidFill>
+                  <a:srgbClr val="000000"/>
+                </a:solidFill>
+                <a:latin typeface="Arial"/>
+                <a:ea typeface="Arial"/>
+                <a:cs typeface="Arial"/>
+                <a:sym typeface="Arial"/>
+              </a:defRPr>
+            </a:lvl5pPr>
+            <a:lvl6pPr marR="0" lvl="5" algn="l" rtl="0">
+              <a:lnSpc>
+                <a:spcPct val="100000"/>
+              </a:lnSpc>
+              <a:spcBef>
+                <a:spcPts val="0"/>
+              </a:spcBef>
+              <a:spcAft>
+                <a:spcPts val="0"/>
+              </a:spcAft>
+              <a:buClr>
+                <a:srgbClr val="000000"/>
+              </a:buClr>
+              <a:buFont typeface="Arial"/>
+              <a:defRPr sz="1400" b="0" i="0" u="none" strike="noStrike" cap="none">
+                <a:solidFill>
+                  <a:srgbClr val="000000"/>
+                </a:solidFill>
+                <a:latin typeface="Arial"/>
+                <a:ea typeface="Arial"/>
+                <a:cs typeface="Arial"/>
+                <a:sym typeface="Arial"/>
+              </a:defRPr>
+            </a:lvl6pPr>
+            <a:lvl7pPr marR="0" lvl="6" algn="l" rtl="0">
+              <a:lnSpc>
+                <a:spcPct val="100000"/>
+              </a:lnSpc>
+              <a:spcBef>
+                <a:spcPts val="0"/>
+              </a:spcBef>
+              <a:spcAft>
+                <a:spcPts val="0"/>
+              </a:spcAft>
+              <a:buClr>
+                <a:srgbClr val="000000"/>
+              </a:buClr>
+              <a:buFont typeface="Arial"/>
+              <a:defRPr sz="1400" b="0" i="0" u="none" strike="noStrike" cap="none">
+                <a:solidFill>
+                  <a:srgbClr val="000000"/>
+                </a:solidFill>
+                <a:latin typeface="Arial"/>
+                <a:ea typeface="Arial"/>
+                <a:cs typeface="Arial"/>
+                <a:sym typeface="Arial"/>
+              </a:defRPr>
+            </a:lvl7pPr>
+            <a:lvl8pPr marR="0" lvl="7" algn="l" rtl="0">
+              <a:lnSpc>
+                <a:spcPct val="100000"/>
+              </a:lnSpc>
+              <a:spcBef>
+                <a:spcPts val="0"/>
+              </a:spcBef>
+              <a:spcAft>
+                <a:spcPts val="0"/>
+              </a:spcAft>
+              <a:buClr>
+                <a:srgbClr val="000000"/>
+              </a:buClr>
+              <a:buFont typeface="Arial"/>
+              <a:defRPr sz="1400" b="0" i="0" u="none" strike="noStrike" cap="none">
+                <a:solidFill>
+                  <a:srgbClr val="000000"/>
+                </a:solidFill>
+                <a:latin typeface="Arial"/>
+                <a:ea typeface="Arial"/>
+                <a:cs typeface="Arial"/>
+                <a:sym typeface="Arial"/>
+              </a:defRPr>
+            </a:lvl8pPr>
+            <a:lvl9pPr marR="0" lvl="8" algn="l" rtl="0">
+              <a:lnSpc>
+                <a:spcPct val="100000"/>
+              </a:lnSpc>
+              <a:spcBef>
+                <a:spcPts val="0"/>
+              </a:spcBef>
+              <a:spcAft>
+                <a:spcPts val="0"/>
+              </a:spcAft>
+              <a:buClr>
+                <a:srgbClr val="000000"/>
+              </a:buClr>
+              <a:buFont typeface="Arial"/>
+              <a:defRPr sz="1400" b="0" i="0" u="none" strike="noStrike" cap="none">
+                <a:solidFill>
+                  <a:srgbClr val="000000"/>
+                </a:solidFill>
+                <a:latin typeface="Arial"/>
+                <a:ea typeface="Arial"/>
+                <a:cs typeface="Arial"/>
+                <a:sym typeface="Arial"/>
+              </a:defRPr>
+            </a:lvl9pPr>
+          </a:lstStyle>
+          <a:p>
+            <a:pPr marL="0" marR="0" lvl="0" indent="0" algn="l" rtl="0">
+              <a:spcBef>
+                <a:spcPts val="0"/>
+              </a:spcBef>
+              <a:spcAft>
+                <a:spcPts val="0"/>
+              </a:spcAft>
+              <a:buNone/>
+            </a:pPr>
+            <a:r>
+              <a:rPr lang="ru-RU" sz="3600" dirty="0">
+                <a:solidFill>
+                  <a:schemeClr val="dk1"/>
+                </a:solidFill>
+                <a:latin typeface="NTR"/>
+                <a:ea typeface="NTR"/>
+                <a:cs typeface="NTR"/>
+                <a:sym typeface="NTR"/>
+              </a:rPr>
+              <a:t>?</a:t>
+            </a:r>
+            <a:endParaRPr sz="1800" dirty="0">
+              <a:solidFill>
+                <a:schemeClr val="dk1"/>
+              </a:solidFill>
+              <a:latin typeface="NTR"/>
+              <a:ea typeface="NTR"/>
+              <a:cs typeface="NTR"/>
+              <a:sym typeface="NTR"/>
+            </a:endParaRPr>
+          </a:p>
+        </p:txBody>
+      </p:sp>
+      <p:sp>
+        <p:nvSpPr>
+          <p:cNvPr id="18" name="Google Shape;120;p16">
+            <a:extLst>
+              <a:ext uri="{FF2B5EF4-FFF2-40B4-BE49-F238E27FC236}">
+                <a16:creationId xmlns:a16="http://schemas.microsoft.com/office/drawing/2014/main" id="{CFD78EE9-DCC4-417D-8062-7EAB69658B0C}"/>
+              </a:ext>
+            </a:extLst>
+          </p:cNvPr>
+          <p:cNvSpPr txBox="1"/>
+          <p:nvPr/>
+        </p:nvSpPr>
+        <p:spPr>
+          <a:xfrm>
+            <a:off x="7377411" y="569806"/>
+            <a:ext cx="366537" cy="646290"/>
+          </a:xfrm>
+          <a:prstGeom prst="rect">
+            <a:avLst/>
+          </a:prstGeom>
+          <a:noFill/>
+          <a:ln>
+            <a:noFill/>
+          </a:ln>
+        </p:spPr>
+        <p:txBody>
+          <a:bodyPr spcFirstLastPara="1" wrap="square" lIns="91425" tIns="45700" rIns="91425" bIns="45700" anchor="t" anchorCtr="0">
+            <a:spAutoFit/>
+          </a:bodyPr>
+          <a:lstStyle>
+            <a:defPPr marR="0" lvl="0" algn="l" rtl="0">
+              <a:lnSpc>
+                <a:spcPct val="100000"/>
+              </a:lnSpc>
+              <a:spcBef>
+                <a:spcPts val="0"/>
+              </a:spcBef>
+              <a:spcAft>
+                <a:spcPts val="0"/>
+              </a:spcAft>
+            </a:defPPr>
+            <a:lvl1pPr marR="0" lvl="0" algn="l" rtl="0">
+              <a:lnSpc>
+                <a:spcPct val="100000"/>
+              </a:lnSpc>
+              <a:spcBef>
+                <a:spcPts val="0"/>
+              </a:spcBef>
+              <a:spcAft>
+                <a:spcPts val="0"/>
+              </a:spcAft>
+              <a:buClr>
+                <a:srgbClr val="000000"/>
+              </a:buClr>
+              <a:buFont typeface="Arial"/>
+              <a:defRPr sz="1400" b="0" i="0" u="none" strike="noStrike" cap="none">
+                <a:solidFill>
+                  <a:srgbClr val="000000"/>
+                </a:solidFill>
+                <a:latin typeface="Arial"/>
+                <a:ea typeface="Arial"/>
+                <a:cs typeface="Arial"/>
+                <a:sym typeface="Arial"/>
+              </a:defRPr>
+            </a:lvl1pPr>
+            <a:lvl2pPr marR="0" lvl="1" algn="l" rtl="0">
+              <a:lnSpc>
+                <a:spcPct val="100000"/>
+              </a:lnSpc>
+              <a:spcBef>
+                <a:spcPts val="0"/>
+              </a:spcBef>
+              <a:spcAft>
+                <a:spcPts val="0"/>
+              </a:spcAft>
+              <a:buClr>
+                <a:srgbClr val="000000"/>
+              </a:buClr>
+              <a:buFont typeface="Arial"/>
+              <a:defRPr sz="1400" b="0" i="0" u="none" strike="noStrike" cap="none">
+                <a:solidFill>
+                  <a:srgbClr val="000000"/>
+                </a:solidFill>
+                <a:latin typeface="Arial"/>
+                <a:ea typeface="Arial"/>
+                <a:cs typeface="Arial"/>
+                <a:sym typeface="Arial"/>
+              </a:defRPr>
+            </a:lvl2pPr>
+            <a:lvl3pPr marR="0" lvl="2" algn="l" rtl="0">
+              <a:lnSpc>
+                <a:spcPct val="100000"/>
+              </a:lnSpc>
+              <a:spcBef>
+                <a:spcPts val="0"/>
+              </a:spcBef>
+              <a:spcAft>
+                <a:spcPts val="0"/>
+              </a:spcAft>
+              <a:buClr>
+                <a:srgbClr val="000000"/>
+              </a:buClr>
+              <a:buFont typeface="Arial"/>
+              <a:defRPr sz="1400" b="0" i="0" u="none" strike="noStrike" cap="none">
+                <a:solidFill>
+                  <a:srgbClr val="000000"/>
+                </a:solidFill>
+                <a:latin typeface="Arial"/>
+                <a:ea typeface="Arial"/>
+                <a:cs typeface="Arial"/>
+                <a:sym typeface="Arial"/>
+              </a:defRPr>
+            </a:lvl3pPr>
+            <a:lvl4pPr marR="0" lvl="3" algn="l" rtl="0">
+              <a:lnSpc>
+                <a:spcPct val="100000"/>
+              </a:lnSpc>
+              <a:spcBef>
+                <a:spcPts val="0"/>
+              </a:spcBef>
+              <a:spcAft>
+                <a:spcPts val="0"/>
+              </a:spcAft>
+              <a:buClr>
+                <a:srgbClr val="000000"/>
+              </a:buClr>
+              <a:buFont typeface="Arial"/>
+              <a:defRPr sz="1400" b="0" i="0" u="none" strike="noStrike" cap="none">
+                <a:solidFill>
+                  <a:srgbClr val="000000"/>
+                </a:solidFill>
+                <a:latin typeface="Arial"/>
+                <a:ea typeface="Arial"/>
+                <a:cs typeface="Arial"/>
+                <a:sym typeface="Arial"/>
+              </a:defRPr>
+            </a:lvl4pPr>
+            <a:lvl5pPr marR="0" lvl="4" algn="l" rtl="0">
+              <a:lnSpc>
+                <a:spcPct val="100000"/>
+              </a:lnSpc>
+              <a:spcBef>
+                <a:spcPts val="0"/>
+              </a:spcBef>
+              <a:spcAft>
+                <a:spcPts val="0"/>
+              </a:spcAft>
+              <a:buClr>
+                <a:srgbClr val="000000"/>
+              </a:buClr>
+              <a:buFont typeface="Arial"/>
+              <a:defRPr sz="1400" b="0" i="0" u="none" strike="noStrike" cap="none">
+                <a:solidFill>
+                  <a:srgbClr val="000000"/>
+                </a:solidFill>
+                <a:latin typeface="Arial"/>
+                <a:ea typeface="Arial"/>
+                <a:cs typeface="Arial"/>
+                <a:sym typeface="Arial"/>
+              </a:defRPr>
+            </a:lvl5pPr>
+            <a:lvl6pPr marR="0" lvl="5" algn="l" rtl="0">
+              <a:lnSpc>
+                <a:spcPct val="100000"/>
+              </a:lnSpc>
+              <a:spcBef>
+                <a:spcPts val="0"/>
+              </a:spcBef>
+              <a:spcAft>
+                <a:spcPts val="0"/>
+              </a:spcAft>
+              <a:buClr>
+                <a:srgbClr val="000000"/>
+              </a:buClr>
+              <a:buFont typeface="Arial"/>
+              <a:defRPr sz="1400" b="0" i="0" u="none" strike="noStrike" cap="none">
+                <a:solidFill>
+                  <a:srgbClr val="000000"/>
+                </a:solidFill>
+                <a:latin typeface="Arial"/>
+                <a:ea typeface="Arial"/>
+                <a:cs typeface="Arial"/>
+                <a:sym typeface="Arial"/>
+              </a:defRPr>
+            </a:lvl6pPr>
+            <a:lvl7pPr marR="0" lvl="6" algn="l" rtl="0">
+              <a:lnSpc>
+                <a:spcPct val="100000"/>
+              </a:lnSpc>
+              <a:spcBef>
+                <a:spcPts val="0"/>
+              </a:spcBef>
+              <a:spcAft>
+                <a:spcPts val="0"/>
+              </a:spcAft>
+              <a:buClr>
+                <a:srgbClr val="000000"/>
+              </a:buClr>
+              <a:buFont typeface="Arial"/>
+              <a:defRPr sz="1400" b="0" i="0" u="none" strike="noStrike" cap="none">
+                <a:solidFill>
+                  <a:srgbClr val="000000"/>
+                </a:solidFill>
+                <a:latin typeface="Arial"/>
+                <a:ea typeface="Arial"/>
+                <a:cs typeface="Arial"/>
+                <a:sym typeface="Arial"/>
+              </a:defRPr>
+            </a:lvl7pPr>
+            <a:lvl8pPr marR="0" lvl="7" algn="l" rtl="0">
+              <a:lnSpc>
+                <a:spcPct val="100000"/>
+              </a:lnSpc>
+              <a:spcBef>
+                <a:spcPts val="0"/>
+              </a:spcBef>
+              <a:spcAft>
+                <a:spcPts val="0"/>
+              </a:spcAft>
+              <a:buClr>
+                <a:srgbClr val="000000"/>
+              </a:buClr>
+              <a:buFont typeface="Arial"/>
+              <a:defRPr sz="1400" b="0" i="0" u="none" strike="noStrike" cap="none">
+                <a:solidFill>
+                  <a:srgbClr val="000000"/>
+                </a:solidFill>
+                <a:latin typeface="Arial"/>
+                <a:ea typeface="Arial"/>
+                <a:cs typeface="Arial"/>
+                <a:sym typeface="Arial"/>
+              </a:defRPr>
+            </a:lvl8pPr>
+            <a:lvl9pPr marR="0" lvl="8" algn="l" rtl="0">
+              <a:lnSpc>
+                <a:spcPct val="100000"/>
+              </a:lnSpc>
+              <a:spcBef>
+                <a:spcPts val="0"/>
+              </a:spcBef>
+              <a:spcAft>
+                <a:spcPts val="0"/>
+              </a:spcAft>
+              <a:buClr>
+                <a:srgbClr val="000000"/>
+              </a:buClr>
+              <a:buFont typeface="Arial"/>
+              <a:defRPr sz="1400" b="0" i="0" u="none" strike="noStrike" cap="none">
+                <a:solidFill>
+                  <a:srgbClr val="000000"/>
+                </a:solidFill>
+                <a:latin typeface="Arial"/>
+                <a:ea typeface="Arial"/>
+                <a:cs typeface="Arial"/>
+                <a:sym typeface="Arial"/>
+              </a:defRPr>
+            </a:lvl9pPr>
+          </a:lstStyle>
+          <a:p>
+            <a:pPr marL="0" marR="0" lvl="0" indent="0" algn="l" rtl="0">
+              <a:spcBef>
+                <a:spcPts val="0"/>
+              </a:spcBef>
+              <a:spcAft>
+                <a:spcPts val="0"/>
+              </a:spcAft>
+              <a:buNone/>
+            </a:pPr>
+            <a:r>
+              <a:rPr lang="ru-RU" sz="3600" dirty="0">
+                <a:solidFill>
+                  <a:schemeClr val="dk1"/>
+                </a:solidFill>
+                <a:latin typeface="NTR"/>
+                <a:ea typeface="NTR"/>
+                <a:cs typeface="NTR"/>
+                <a:sym typeface="NTR"/>
+              </a:rPr>
+              <a:t>?</a:t>
+            </a:r>
+            <a:endParaRPr sz="1800" dirty="0">
+              <a:solidFill>
+                <a:schemeClr val="dk1"/>
+              </a:solidFill>
+              <a:latin typeface="NTR"/>
+              <a:ea typeface="NTR"/>
+              <a:cs typeface="NTR"/>
+              <a:sym typeface="NTR"/>
+            </a:endParaRPr>
+          </a:p>
+        </p:txBody>
+      </p:sp>
+      <p:pic>
+        <p:nvPicPr>
+          <p:cNvPr id="22" name="Google Shape;116;p16">
+            <a:extLst>
+              <a:ext uri="{FF2B5EF4-FFF2-40B4-BE49-F238E27FC236}">
+                <a16:creationId xmlns:a16="http://schemas.microsoft.com/office/drawing/2014/main" id="{07091D07-025E-4C80-AEFD-B008153D1A68}"/>
+              </a:ext>
+            </a:extLst>
+          </p:cNvPr>
+          <p:cNvPicPr preferRelativeResize="0"/>
+          <p:nvPr/>
+        </p:nvPicPr>
+        <p:blipFill rotWithShape="1">
+          <a:blip r:embed="rId4">
+            <a:alphaModFix/>
+          </a:blip>
+          <a:srcRect/>
+          <a:stretch/>
+        </p:blipFill>
+        <p:spPr>
+          <a:xfrm>
+            <a:off x="4128994" y="2674185"/>
+            <a:ext cx="1183419" cy="806173"/>
+          </a:xfrm>
+          <a:prstGeom prst="rect">
+            <a:avLst/>
+          </a:prstGeom>
+          <a:noFill/>
+          <a:ln>
+            <a:noFill/>
+          </a:ln>
+        </p:spPr>
+      </p:pic>
+      <p:pic>
+        <p:nvPicPr>
+          <p:cNvPr id="23" name="Google Shape;117;p16">
+            <a:extLst>
+              <a:ext uri="{FF2B5EF4-FFF2-40B4-BE49-F238E27FC236}">
+                <a16:creationId xmlns:a16="http://schemas.microsoft.com/office/drawing/2014/main" id="{89F95D41-A521-46D7-983B-5A166EBDCB6B}"/>
+              </a:ext>
+            </a:extLst>
+          </p:cNvPr>
+          <p:cNvPicPr preferRelativeResize="0"/>
+          <p:nvPr/>
+        </p:nvPicPr>
+        <p:blipFill rotWithShape="1">
+          <a:blip r:embed="rId4">
+            <a:alphaModFix/>
+          </a:blip>
+          <a:srcRect/>
+          <a:stretch/>
+        </p:blipFill>
+        <p:spPr>
+          <a:xfrm rot="13968455">
+            <a:off x="6521210" y="3874578"/>
+            <a:ext cx="1183419" cy="806173"/>
+          </a:xfrm>
+          <a:prstGeom prst="rect">
+            <a:avLst/>
+          </a:prstGeom>
+          <a:noFill/>
+          <a:ln>
+            <a:noFill/>
+          </a:ln>
+        </p:spPr>
+      </p:pic>
+      <p:pic>
+        <p:nvPicPr>
+          <p:cNvPr id="24" name="Google Shape;118;p16">
+            <a:extLst>
+              <a:ext uri="{FF2B5EF4-FFF2-40B4-BE49-F238E27FC236}">
+                <a16:creationId xmlns:a16="http://schemas.microsoft.com/office/drawing/2014/main" id="{18994D35-56CE-433B-8394-8041CB0D1212}"/>
+              </a:ext>
+            </a:extLst>
+          </p:cNvPr>
+          <p:cNvPicPr preferRelativeResize="0"/>
+          <p:nvPr/>
+        </p:nvPicPr>
+        <p:blipFill rotWithShape="1">
+          <a:blip r:embed="rId4">
+            <a:alphaModFix/>
+          </a:blip>
+          <a:srcRect/>
+          <a:stretch/>
+        </p:blipFill>
+        <p:spPr>
+          <a:xfrm rot="17686100">
+            <a:off x="4968199" y="3934142"/>
+            <a:ext cx="1008549" cy="687047"/>
+          </a:xfrm>
+          <a:prstGeom prst="rect">
+            <a:avLst/>
+          </a:prstGeom>
+          <a:noFill/>
+          <a:ln>
+            <a:noFill/>
+          </a:ln>
+        </p:spPr>
+      </p:pic>
+      <p:pic>
+        <p:nvPicPr>
+          <p:cNvPr id="25" name="Google Shape;117;p16">
+            <a:extLst>
+              <a:ext uri="{FF2B5EF4-FFF2-40B4-BE49-F238E27FC236}">
+                <a16:creationId xmlns:a16="http://schemas.microsoft.com/office/drawing/2014/main" id="{BDBDA115-C26B-404B-A80C-52878F8903D9}"/>
+              </a:ext>
+            </a:extLst>
+          </p:cNvPr>
+          <p:cNvPicPr preferRelativeResize="0"/>
+          <p:nvPr/>
+        </p:nvPicPr>
+        <p:blipFill rotWithShape="1">
+          <a:blip r:embed="rId4">
+            <a:alphaModFix/>
+          </a:blip>
+          <a:srcRect/>
+          <a:stretch/>
+        </p:blipFill>
+        <p:spPr>
+          <a:xfrm rot="10800000">
+            <a:off x="7320368" y="2674185"/>
+            <a:ext cx="1183419" cy="806173"/>
+          </a:xfrm>
+          <a:prstGeom prst="rect">
+            <a:avLst/>
+          </a:prstGeom>
+          <a:noFill/>
+          <a:ln>
+            <a:noFill/>
+          </a:ln>
+        </p:spPr>
+      </p:pic>
+      <p:sp>
+        <p:nvSpPr>
+          <p:cNvPr id="4" name="TextBox 3">
+            <a:extLst>
+              <a:ext uri="{FF2B5EF4-FFF2-40B4-BE49-F238E27FC236}">
+                <a16:creationId xmlns:a16="http://schemas.microsoft.com/office/drawing/2014/main" id="{702DF928-1AD4-400E-82C0-FEB80E145DD6}"/>
+              </a:ext>
+            </a:extLst>
+          </p:cNvPr>
+          <p:cNvSpPr txBox="1"/>
+          <p:nvPr/>
+        </p:nvSpPr>
+        <p:spPr>
+          <a:xfrm>
+            <a:off x="1190626" y="2719470"/>
+            <a:ext cx="2909096" cy="830997"/>
+          </a:xfrm>
+          <a:prstGeom prst="rect">
+            <a:avLst/>
+          </a:prstGeom>
+          <a:noFill/>
+        </p:spPr>
+        <p:txBody>
+          <a:bodyPr wrap="square" rtlCol="0">
+            <a:spAutoFit/>
+          </a:bodyPr>
+          <a:lstStyle/>
+          <a:p>
+            <a:r>
+              <a:rPr lang="ru-RU" sz="2400" dirty="0"/>
+              <a:t>Написание кода для микроконтроллера </a:t>
+            </a:r>
+          </a:p>
+        </p:txBody>
+      </p:sp>
+      <p:sp>
+        <p:nvSpPr>
+          <p:cNvPr id="27" name="TextBox 26">
+            <a:extLst>
+              <a:ext uri="{FF2B5EF4-FFF2-40B4-BE49-F238E27FC236}">
+                <a16:creationId xmlns:a16="http://schemas.microsoft.com/office/drawing/2014/main" id="{265065F7-61AF-4503-A929-B7A3805B9F07}"/>
+              </a:ext>
+            </a:extLst>
+          </p:cNvPr>
+          <p:cNvSpPr txBox="1"/>
+          <p:nvPr/>
+        </p:nvSpPr>
+        <p:spPr>
+          <a:xfrm>
+            <a:off x="3086566" y="4879471"/>
+            <a:ext cx="2909096" cy="461665"/>
+          </a:xfrm>
+          <a:prstGeom prst="rect">
+            <a:avLst/>
+          </a:prstGeom>
+          <a:noFill/>
+        </p:spPr>
+        <p:txBody>
+          <a:bodyPr wrap="square" rtlCol="0">
+            <a:spAutoFit/>
+          </a:bodyPr>
+          <a:lstStyle/>
+          <a:p>
+            <a:r>
+              <a:rPr lang="ru-RU" sz="2400" dirty="0"/>
+              <a:t>Разработка дизайна</a:t>
+            </a:r>
+          </a:p>
+        </p:txBody>
+      </p:sp>
+      <p:sp>
+        <p:nvSpPr>
+          <p:cNvPr id="28" name="TextBox 27">
+            <a:extLst>
+              <a:ext uri="{FF2B5EF4-FFF2-40B4-BE49-F238E27FC236}">
+                <a16:creationId xmlns:a16="http://schemas.microsoft.com/office/drawing/2014/main" id="{526E6F0F-5FFA-4BCE-884A-A8A2DE010B78}"/>
+              </a:ext>
+            </a:extLst>
+          </p:cNvPr>
+          <p:cNvSpPr txBox="1"/>
+          <p:nvPr/>
+        </p:nvSpPr>
+        <p:spPr>
+          <a:xfrm>
+            <a:off x="6952989" y="4935286"/>
+            <a:ext cx="3143285" cy="461665"/>
+          </a:xfrm>
+          <a:prstGeom prst="rect">
+            <a:avLst/>
+          </a:prstGeom>
+          <a:noFill/>
+        </p:spPr>
+        <p:txBody>
+          <a:bodyPr wrap="square" rtlCol="0">
+            <a:spAutoFit/>
+          </a:bodyPr>
+          <a:lstStyle/>
+          <a:p>
+            <a:r>
+              <a:rPr lang="ru-RU" sz="2400" dirty="0"/>
+              <a:t>Написание ПО для ПК</a:t>
+            </a:r>
+          </a:p>
+        </p:txBody>
+      </p:sp>
+      <p:sp>
+        <p:nvSpPr>
+          <p:cNvPr id="29" name="TextBox 28">
+            <a:extLst>
+              <a:ext uri="{FF2B5EF4-FFF2-40B4-BE49-F238E27FC236}">
+                <a16:creationId xmlns:a16="http://schemas.microsoft.com/office/drawing/2014/main" id="{AD44558B-35AD-49C5-8BCF-4314EC82CCCB}"/>
+              </a:ext>
+            </a:extLst>
+          </p:cNvPr>
+          <p:cNvSpPr txBox="1"/>
+          <p:nvPr/>
+        </p:nvSpPr>
+        <p:spPr>
+          <a:xfrm>
+            <a:off x="8664105" y="2846438"/>
+            <a:ext cx="2337269" cy="461665"/>
+          </a:xfrm>
+          <a:prstGeom prst="rect">
+            <a:avLst/>
+          </a:prstGeom>
+          <a:noFill/>
+        </p:spPr>
+        <p:txBody>
+          <a:bodyPr wrap="square" rtlCol="0">
+            <a:spAutoFit/>
+          </a:bodyPr>
+          <a:lstStyle/>
+          <a:p>
+            <a:r>
+              <a:rPr lang="ru-RU" sz="2400" dirty="0"/>
+              <a:t>Сборка и печать</a:t>
+            </a:r>
+          </a:p>
+        </p:txBody>
+      </p:sp>
+    </p:spTree>
+    <p:extLst>
+      <p:ext uri="{BB962C8B-B14F-4D97-AF65-F5344CB8AC3E}">
+        <p14:creationId xmlns:p14="http://schemas.microsoft.com/office/powerpoint/2010/main" val="4120637430"/>
+      </p:ext>
+    </p:extLst>
+  </p:cSld>
+  <p:clrMapOvr>
+    <a:masterClrMapping/>
+  </p:clrMapOvr>
+</p:sld>
+</file>
+
+<file path=ppt/slides/slide5.xml><?xml version="1.0" encoding="utf-8"?>
+<p:sld xmlns:a="http://schemas.openxmlformats.org/drawingml/2006/main" xmlns:r="http://schemas.openxmlformats.org/officeDocument/2006/relationships" xmlns:p="http://schemas.openxmlformats.org/presentationml/2006/main">
+  <p:cSld>
+    <p:spTree>
+      <p:nvGrpSpPr>
+        <p:cNvPr id="1" name=""/>
+        <p:cNvGrpSpPr/>
+        <p:nvPr/>
+      </p:nvGrpSpPr>
+      <p:grpSpPr>
+        <a:xfrm>
+          <a:off x="0" y="0"/>
+          <a:ext cx="0" cy="0"/>
+          <a:chOff x="0" y="0"/>
+          <a:chExt cx="0" cy="0"/>
+        </a:xfrm>
+      </p:grpSpPr>
+      <p:sp>
+        <p:nvSpPr>
+          <p:cNvPr id="2" name="TextBox 1">
+            <a:extLst>
+              <a:ext uri="{FF2B5EF4-FFF2-40B4-BE49-F238E27FC236}">
+                <a16:creationId xmlns:a16="http://schemas.microsoft.com/office/drawing/2014/main" id="{BBC53A8E-14AA-48D0-86FD-C5E19554D9F5}"/>
+              </a:ext>
+            </a:extLst>
+          </p:cNvPr>
+          <p:cNvSpPr txBox="1"/>
+          <p:nvPr/>
+        </p:nvSpPr>
+        <p:spPr>
+          <a:xfrm>
+            <a:off x="1000125" y="542925"/>
+            <a:ext cx="10363200" cy="4524315"/>
+          </a:xfrm>
+          <a:prstGeom prst="rect">
+            <a:avLst/>
+          </a:prstGeom>
+          <a:noFill/>
+        </p:spPr>
+        <p:txBody>
+          <a:bodyPr wrap="square" rtlCol="0">
+            <a:spAutoFit/>
+          </a:bodyPr>
+          <a:lstStyle/>
+          <a:p>
+            <a:r>
+              <a:rPr lang="ru-RU" sz="9600" dirty="0"/>
+              <a:t>ПРИНЦИП РАБОТЫ ??????????????????????</a:t>
+            </a:r>
+          </a:p>
+        </p:txBody>
+      </p:sp>
+    </p:spTree>
+    <p:extLst>
+      <p:ext uri="{BB962C8B-B14F-4D97-AF65-F5344CB8AC3E}">
+        <p14:creationId xmlns:p14="http://schemas.microsoft.com/office/powerpoint/2010/main" val="1371825576"/>
       </p:ext>
     </p:extLst>
   </p:cSld>
